--- a/NC, HH, SM - Project 1.pptx
+++ b/NC, HH, SM - Project 1.pptx
@@ -4711,7 +4711,7 @@
         </p:spPr>
         <p:txBody>
           <a:bodyPr vert="horz" lIns="182880" tIns="182880" rIns="182880" bIns="182880" rtlCol="0" anchor="ctr" anchorCtr="1">
-            <a:normAutofit/>
+            <a:normAutofit fontScale="90000"/>
           </a:bodyPr>
           <a:lstStyle/>
           <a:p>
@@ -4721,7 +4721,7 @@
                   <a:schemeClr val="tx1"/>
                 </a:solidFill>
               </a:rPr>
-              <a:t>DOES HEALTH CARE COVERAGE AFFECT VOTER PATTERNS?</a:t>
+              <a:t>Is HEALTH CARE COVERAGE correlated with VOTER PATTERNS?</a:t>
             </a:r>
           </a:p>
         </p:txBody>
@@ -5451,13 +5451,8 @@
             </a:pPr>
             <a:r>
               <a:rPr lang="en-US" sz="2000" dirty="0"/>
-              <a:t>Additionally, we were curious how voter registration demographics compared to the actual voting </a:t>
-            </a:r>
-            <a:r>
-              <a:rPr lang="en-US" sz="2000"/>
-              <a:t>behavior.</a:t>
-            </a:r>
-            <a:endParaRPr lang="en-US" sz="2000" dirty="0"/>
+              <a:t>Additionally, we were curious how voter registration demographics compared to the actual voting behavior.</a:t>
+            </a:r>
           </a:p>
         </p:txBody>
       </p:sp>
@@ -6617,7 +6612,7 @@
             </a:pPr>
             <a:r>
               <a:rPr lang="en-US" sz="2000" dirty="0"/>
-              <a:t>Sample size included 8,000 participants, 7,089 remaining after cleaning data</a:t>
+              <a:t>Sample size included 8,000 participants, 7,038 remaining after cleaning data</a:t>
             </a:r>
           </a:p>
           <a:p>
@@ -7388,7 +7383,7 @@
         </p:spPr>
         <p:txBody>
           <a:bodyPr vert="horz" lIns="182880" tIns="182880" rIns="182880" bIns="182880" rtlCol="0" anchor="ctr" anchorCtr="1">
-            <a:normAutofit/>
+            <a:normAutofit fontScale="90000"/>
           </a:bodyPr>
           <a:lstStyle/>
           <a:p>
@@ -7398,7 +7393,7 @@
                   <a:schemeClr val="tx1"/>
                 </a:solidFill>
               </a:rPr>
-              <a:t>DOES HOUSEHOLD INCOME AFFECT VOTER PATTERNS?</a:t>
+              <a:t>IS HOUSEHOLD INCOME Correlated with VOTER PATTERNS?</a:t>
             </a:r>
           </a:p>
         </p:txBody>

--- a/NC, HH, SM - Project 1.pptx
+++ b/NC, HH, SM - Project 1.pptx
@@ -209,7 +209,7 @@
           <a:p>
             <a:fld id="{773E2CB0-8079-5244-BCB3-6D4C265263EF}" type="datetimeFigureOut">
               <a:rPr lang="en-US" smtClean="0"/>
-              <a:t>12/9/19</a:t>
+              <a:t>12/11/19</a:t>
             </a:fld>
             <a:endParaRPr lang="en-US"/>
           </a:p>
@@ -522,7 +522,7 @@
           <a:p>
             <a:r>
               <a:rPr lang="en-US" dirty="0"/>
-              <a:t>What did we notice? Trump had 14.2% more married voters than Clinton. Clinton had 10.2% more single voters than Trump. Clinton had 2.3% more voters who were in a domestic partnership  than Trump.</a:t>
+              <a:t>Sarah</a:t>
             </a:r>
           </a:p>
         </p:txBody>
@@ -544,7 +544,7 @@
           <a:p>
             <a:fld id="{07100F05-12E6-3243-A43A-1C9EB99C93C3}" type="slidenum">
               <a:rPr lang="en-US" smtClean="0"/>
-              <a:t>7</a:t>
+              <a:t>1</a:t>
             </a:fld>
             <a:endParaRPr lang="en-US"/>
           </a:p>
@@ -553,7 +553,181 @@
     </p:spTree>
     <p:extLst>
       <p:ext uri="{BB962C8B-B14F-4D97-AF65-F5344CB8AC3E}">
-        <p14:creationId xmlns:p14="http://schemas.microsoft.com/office/powerpoint/2010/main" val="2700603545"/>
+        <p14:creationId xmlns:p14="http://schemas.microsoft.com/office/powerpoint/2010/main" val="1848485601"/>
+      </p:ext>
+    </p:extLst>
+  </p:cSld>
+  <p:clrMapOvr>
+    <a:masterClrMapping/>
+  </p:clrMapOvr>
+</p:notes>
+</file>
+
+<file path=ppt/notesSlides/notesSlide10.xml><?xml version="1.0" encoding="utf-8"?>
+<p:notes xmlns:a="http://schemas.openxmlformats.org/drawingml/2006/main" xmlns:r="http://schemas.openxmlformats.org/officeDocument/2006/relationships" xmlns:p="http://schemas.openxmlformats.org/presentationml/2006/main">
+  <p:cSld>
+    <p:spTree>
+      <p:nvGrpSpPr>
+        <p:cNvPr id="1" name=""/>
+        <p:cNvGrpSpPr/>
+        <p:nvPr/>
+      </p:nvGrpSpPr>
+      <p:grpSpPr>
+        <a:xfrm>
+          <a:off x="0" y="0"/>
+          <a:ext cx="0" cy="0"/>
+          <a:chOff x="0" y="0"/>
+          <a:chExt cx="0" cy="0"/>
+        </a:xfrm>
+      </p:grpSpPr>
+      <p:sp>
+        <p:nvSpPr>
+          <p:cNvPr id="2" name="Slide Image Placeholder 1"/>
+          <p:cNvSpPr>
+            <a:spLocks noGrp="1" noRot="1" noChangeAspect="1"/>
+          </p:cNvSpPr>
+          <p:nvPr>
+            <p:ph type="sldImg"/>
+          </p:nvPr>
+        </p:nvSpPr>
+        <p:spPr/>
+      </p:sp>
+      <p:sp>
+        <p:nvSpPr>
+          <p:cNvPr id="3" name="Notes Placeholder 2"/>
+          <p:cNvSpPr>
+            <a:spLocks noGrp="1"/>
+          </p:cNvSpPr>
+          <p:nvPr>
+            <p:ph type="body" idx="1"/>
+          </p:nvPr>
+        </p:nvSpPr>
+        <p:spPr/>
+        <p:txBody>
+          <a:bodyPr/>
+          <a:lstStyle/>
+          <a:p>
+            <a:r>
+              <a:rPr lang="en-US" dirty="0"/>
+              <a:t>What did we notice?</a:t>
+            </a:r>
+          </a:p>
+        </p:txBody>
+      </p:sp>
+      <p:sp>
+        <p:nvSpPr>
+          <p:cNvPr id="4" name="Slide Number Placeholder 3"/>
+          <p:cNvSpPr>
+            <a:spLocks noGrp="1"/>
+          </p:cNvSpPr>
+          <p:nvPr>
+            <p:ph type="sldNum" sz="quarter" idx="5"/>
+          </p:nvPr>
+        </p:nvSpPr>
+        <p:spPr/>
+        <p:txBody>
+          <a:bodyPr/>
+          <a:lstStyle/>
+          <a:p>
+            <a:fld id="{07100F05-12E6-3243-A43A-1C9EB99C93C3}" type="slidenum">
+              <a:rPr lang="en-US" smtClean="0"/>
+              <a:t>12</a:t>
+            </a:fld>
+            <a:endParaRPr lang="en-US"/>
+          </a:p>
+        </p:txBody>
+      </p:sp>
+    </p:spTree>
+    <p:extLst>
+      <p:ext uri="{BB962C8B-B14F-4D97-AF65-F5344CB8AC3E}">
+        <p14:creationId xmlns:p14="http://schemas.microsoft.com/office/powerpoint/2010/main" val="2931743315"/>
+      </p:ext>
+    </p:extLst>
+  </p:cSld>
+  <p:clrMapOvr>
+    <a:masterClrMapping/>
+  </p:clrMapOvr>
+</p:notes>
+</file>
+
+<file path=ppt/notesSlides/notesSlide11.xml><?xml version="1.0" encoding="utf-8"?>
+<p:notes xmlns:a="http://schemas.openxmlformats.org/drawingml/2006/main" xmlns:r="http://schemas.openxmlformats.org/officeDocument/2006/relationships" xmlns:p="http://schemas.openxmlformats.org/presentationml/2006/main">
+  <p:cSld>
+    <p:spTree>
+      <p:nvGrpSpPr>
+        <p:cNvPr id="1" name=""/>
+        <p:cNvGrpSpPr/>
+        <p:nvPr/>
+      </p:nvGrpSpPr>
+      <p:grpSpPr>
+        <a:xfrm>
+          <a:off x="0" y="0"/>
+          <a:ext cx="0" cy="0"/>
+          <a:chOff x="0" y="0"/>
+          <a:chExt cx="0" cy="0"/>
+        </a:xfrm>
+      </p:grpSpPr>
+      <p:sp>
+        <p:nvSpPr>
+          <p:cNvPr id="2" name="Slide Image Placeholder 1"/>
+          <p:cNvSpPr>
+            <a:spLocks noGrp="1" noRot="1" noChangeAspect="1"/>
+          </p:cNvSpPr>
+          <p:nvPr>
+            <p:ph type="sldImg"/>
+          </p:nvPr>
+        </p:nvSpPr>
+        <p:spPr/>
+      </p:sp>
+      <p:sp>
+        <p:nvSpPr>
+          <p:cNvPr id="3" name="Notes Placeholder 2"/>
+          <p:cNvSpPr>
+            <a:spLocks noGrp="1"/>
+          </p:cNvSpPr>
+          <p:nvPr>
+            <p:ph type="body" idx="1"/>
+          </p:nvPr>
+        </p:nvSpPr>
+        <p:spPr/>
+        <p:txBody>
+          <a:bodyPr/>
+          <a:lstStyle/>
+          <a:p>
+            <a:r>
+              <a:rPr lang="en-US" dirty="0"/>
+              <a:t>What did we notice?</a:t>
+            </a:r>
+          </a:p>
+        </p:txBody>
+      </p:sp>
+      <p:sp>
+        <p:nvSpPr>
+          <p:cNvPr id="4" name="Slide Number Placeholder 3"/>
+          <p:cNvSpPr>
+            <a:spLocks noGrp="1"/>
+          </p:cNvSpPr>
+          <p:nvPr>
+            <p:ph type="sldNum" sz="quarter" idx="5"/>
+          </p:nvPr>
+        </p:nvSpPr>
+        <p:spPr/>
+        <p:txBody>
+          <a:bodyPr/>
+          <a:lstStyle/>
+          <a:p>
+            <a:fld id="{07100F05-12E6-3243-A43A-1C9EB99C93C3}" type="slidenum">
+              <a:rPr lang="en-US" smtClean="0"/>
+              <a:t>13</a:t>
+            </a:fld>
+            <a:endParaRPr lang="en-US"/>
+          </a:p>
+        </p:txBody>
+      </p:sp>
+    </p:spTree>
+    <p:extLst>
+      <p:ext uri="{BB962C8B-B14F-4D97-AF65-F5344CB8AC3E}">
+        <p14:creationId xmlns:p14="http://schemas.microsoft.com/office/powerpoint/2010/main" val="4041699867"/>
       </p:ext>
     </p:extLst>
   </p:cSld>
@@ -607,10 +781,7 @@
           <a:bodyPr/>
           <a:lstStyle/>
           <a:p>
-            <a:r>
-              <a:rPr lang="en-US" dirty="0"/>
-              <a:t>What did we notice? The largest three groups for Trump, in order, were high school graduates, 4-year college degree holders, and voters who attended some college. The largest three groups for Clinton, in order, were 4-year college degree holders, some college, and post-grad. For HS grad there was a 39% difference between the two candidates. For post grad there was a 46% difference between the two.</a:t>
-            </a:r>
+            <a:endParaRPr lang="en-US" dirty="0"/>
           </a:p>
         </p:txBody>
       </p:sp>
@@ -631,7 +802,7 @@
           <a:p>
             <a:fld id="{07100F05-12E6-3243-A43A-1C9EB99C93C3}" type="slidenum">
               <a:rPr lang="en-US" smtClean="0"/>
-              <a:t>8</a:t>
+              <a:t>2</a:t>
             </a:fld>
             <a:endParaRPr lang="en-US"/>
           </a:p>
@@ -640,7 +811,7 @@
     </p:spTree>
     <p:extLst>
       <p:ext uri="{BB962C8B-B14F-4D97-AF65-F5344CB8AC3E}">
-        <p14:creationId xmlns:p14="http://schemas.microsoft.com/office/powerpoint/2010/main" val="105019089"/>
+        <p14:creationId xmlns:p14="http://schemas.microsoft.com/office/powerpoint/2010/main" val="2395174129"/>
       </p:ext>
     </p:extLst>
   </p:cSld>
@@ -694,10 +865,7 @@
           <a:bodyPr/>
           <a:lstStyle/>
           <a:p>
-            <a:r>
-              <a:rPr lang="en-US" dirty="0"/>
-              <a:t>HC had more votes on opposite ends of the spectrum (less than $10,000 - $29,999 AND $100,000 - $150,000+). DT more votes in the mid-range for income ($50,000 - $99,999). At $40,000 - $49,999 there was an exact tie.</a:t>
-            </a:r>
+            <a:endParaRPr lang="en-US" dirty="0"/>
           </a:p>
         </p:txBody>
       </p:sp>
@@ -718,7 +886,7 @@
           <a:p>
             <a:fld id="{07100F05-12E6-3243-A43A-1C9EB99C93C3}" type="slidenum">
               <a:rPr lang="en-US" smtClean="0"/>
-              <a:t>9</a:t>
+              <a:t>3</a:t>
             </a:fld>
             <a:endParaRPr lang="en-US"/>
           </a:p>
@@ -727,7 +895,7 @@
     </p:spTree>
     <p:extLst>
       <p:ext uri="{BB962C8B-B14F-4D97-AF65-F5344CB8AC3E}">
-        <p14:creationId xmlns:p14="http://schemas.microsoft.com/office/powerpoint/2010/main" val="779047023"/>
+        <p14:creationId xmlns:p14="http://schemas.microsoft.com/office/powerpoint/2010/main" val="864731451"/>
       </p:ext>
     </p:extLst>
   </p:cSld>
@@ -783,7 +951,7 @@
           <a:p>
             <a:r>
               <a:rPr lang="en-US" dirty="0"/>
-              <a:t>What did we notice? Not much difference between the two candidates, but the majority of participants were either covered by an HMO (Health Maintenance Organization) or private insurance (3589 total) or covered by a government plan (2471 total). There was a difference of 37% between these two categories. 8% of respondents voted for other candidates. </a:t>
+              <a:t>Sarah</a:t>
             </a:r>
           </a:p>
         </p:txBody>
@@ -805,7 +973,7 @@
           <a:p>
             <a:fld id="{07100F05-12E6-3243-A43A-1C9EB99C93C3}" type="slidenum">
               <a:rPr lang="en-US" smtClean="0"/>
-              <a:t>10</a:t>
+              <a:t>6</a:t>
             </a:fld>
             <a:endParaRPr lang="en-US"/>
           </a:p>
@@ -814,7 +982,7 @@
     </p:spTree>
     <p:extLst>
       <p:ext uri="{BB962C8B-B14F-4D97-AF65-F5344CB8AC3E}">
-        <p14:creationId xmlns:p14="http://schemas.microsoft.com/office/powerpoint/2010/main" val="1386412739"/>
+        <p14:creationId xmlns:p14="http://schemas.microsoft.com/office/powerpoint/2010/main" val="1100441752"/>
       </p:ext>
     </p:extLst>
   </p:cSld>
@@ -870,7 +1038,7 @@
           <a:p>
             <a:r>
               <a:rPr lang="en-US" dirty="0"/>
-              <a:t>How does the survey data compare to actual election results. In the survey data, Democrats won 47.1% of states versus 39% in the actual election. Republicans won 52.9% of states in the survey data versus 61% in the actual election. In both sets, DC counted as a “state” since they also have electoral votes.</a:t>
+              <a:t>What did we notice? Trump had 14.2% more married voters than Clinton. Clinton had 10.2% more single voters than Trump. Clinton had 2.3% more voters who were in a domestic partnership  than Trump.</a:t>
             </a:r>
           </a:p>
         </p:txBody>
@@ -892,7 +1060,7 @@
           <a:p>
             <a:fld id="{07100F05-12E6-3243-A43A-1C9EB99C93C3}" type="slidenum">
               <a:rPr lang="en-US" smtClean="0"/>
-              <a:t>11</a:t>
+              <a:t>7</a:t>
             </a:fld>
             <a:endParaRPr lang="en-US"/>
           </a:p>
@@ -901,7 +1069,7 @@
     </p:spTree>
     <p:extLst>
       <p:ext uri="{BB962C8B-B14F-4D97-AF65-F5344CB8AC3E}">
-        <p14:creationId xmlns:p14="http://schemas.microsoft.com/office/powerpoint/2010/main" val="2276288392"/>
+        <p14:creationId xmlns:p14="http://schemas.microsoft.com/office/powerpoint/2010/main" val="2700603545"/>
       </p:ext>
     </p:extLst>
   </p:cSld>
@@ -957,7 +1125,7 @@
           <a:p>
             <a:r>
               <a:rPr lang="en-US" dirty="0"/>
-              <a:t>What did we notice?</a:t>
+              <a:t>What did we notice? The largest three groups for Trump, in order, were high school graduates, 4-year college degree holders, and voters who attended some college. The largest three groups for Clinton, in order, were 4-year college degree holders, some college, and post-grad. For HS grad there was a 39% difference between the two candidates. For post grad there was a 46% difference between the two.</a:t>
             </a:r>
           </a:p>
         </p:txBody>
@@ -979,7 +1147,7 @@
           <a:p>
             <a:fld id="{07100F05-12E6-3243-A43A-1C9EB99C93C3}" type="slidenum">
               <a:rPr lang="en-US" smtClean="0"/>
-              <a:t>12</a:t>
+              <a:t>8</a:t>
             </a:fld>
             <a:endParaRPr lang="en-US"/>
           </a:p>
@@ -988,7 +1156,7 @@
     </p:spTree>
     <p:extLst>
       <p:ext uri="{BB962C8B-B14F-4D97-AF65-F5344CB8AC3E}">
-        <p14:creationId xmlns:p14="http://schemas.microsoft.com/office/powerpoint/2010/main" val="2931743315"/>
+        <p14:creationId xmlns:p14="http://schemas.microsoft.com/office/powerpoint/2010/main" val="105019089"/>
       </p:ext>
     </p:extLst>
   </p:cSld>
@@ -1044,7 +1212,7 @@
           <a:p>
             <a:r>
               <a:rPr lang="en-US" dirty="0"/>
-              <a:t>What did we notice?</a:t>
+              <a:t>HC had more votes on opposite ends of the spectrum (less than $10,000 - $29,999 AND $100,000 - $150,000+). DT more votes in the mid-range for income ($50,000 - $99,999). At $40,000 - $49,999 there was an exact tie.</a:t>
             </a:r>
           </a:p>
         </p:txBody>
@@ -1066,7 +1234,7 @@
           <a:p>
             <a:fld id="{07100F05-12E6-3243-A43A-1C9EB99C93C3}" type="slidenum">
               <a:rPr lang="en-US" smtClean="0"/>
-              <a:t>13</a:t>
+              <a:t>9</a:t>
             </a:fld>
             <a:endParaRPr lang="en-US"/>
           </a:p>
@@ -1075,7 +1243,181 @@
     </p:spTree>
     <p:extLst>
       <p:ext uri="{BB962C8B-B14F-4D97-AF65-F5344CB8AC3E}">
-        <p14:creationId xmlns:p14="http://schemas.microsoft.com/office/powerpoint/2010/main" val="4041699867"/>
+        <p14:creationId xmlns:p14="http://schemas.microsoft.com/office/powerpoint/2010/main" val="779047023"/>
+      </p:ext>
+    </p:extLst>
+  </p:cSld>
+  <p:clrMapOvr>
+    <a:masterClrMapping/>
+  </p:clrMapOvr>
+</p:notes>
+</file>
+
+<file path=ppt/notesSlides/notesSlide8.xml><?xml version="1.0" encoding="utf-8"?>
+<p:notes xmlns:a="http://schemas.openxmlformats.org/drawingml/2006/main" xmlns:r="http://schemas.openxmlformats.org/officeDocument/2006/relationships" xmlns:p="http://schemas.openxmlformats.org/presentationml/2006/main">
+  <p:cSld>
+    <p:spTree>
+      <p:nvGrpSpPr>
+        <p:cNvPr id="1" name=""/>
+        <p:cNvGrpSpPr/>
+        <p:nvPr/>
+      </p:nvGrpSpPr>
+      <p:grpSpPr>
+        <a:xfrm>
+          <a:off x="0" y="0"/>
+          <a:ext cx="0" cy="0"/>
+          <a:chOff x="0" y="0"/>
+          <a:chExt cx="0" cy="0"/>
+        </a:xfrm>
+      </p:grpSpPr>
+      <p:sp>
+        <p:nvSpPr>
+          <p:cNvPr id="2" name="Slide Image Placeholder 1"/>
+          <p:cNvSpPr>
+            <a:spLocks noGrp="1" noRot="1" noChangeAspect="1"/>
+          </p:cNvSpPr>
+          <p:nvPr>
+            <p:ph type="sldImg"/>
+          </p:nvPr>
+        </p:nvSpPr>
+        <p:spPr/>
+      </p:sp>
+      <p:sp>
+        <p:nvSpPr>
+          <p:cNvPr id="3" name="Notes Placeholder 2"/>
+          <p:cNvSpPr>
+            <a:spLocks noGrp="1"/>
+          </p:cNvSpPr>
+          <p:nvPr>
+            <p:ph type="body" idx="1"/>
+          </p:nvPr>
+        </p:nvSpPr>
+        <p:spPr/>
+        <p:txBody>
+          <a:bodyPr/>
+          <a:lstStyle/>
+          <a:p>
+            <a:r>
+              <a:rPr lang="en-US" dirty="0"/>
+              <a:t>What did we notice? Not much difference between the two candidates, but the majority of participants were either covered by an HMO (Health Maintenance Organization) or private insurance (3589 total) or covered by a government plan (2471 total). There was a difference of 37% between these two categories. 8% of respondents voted for other candidates. </a:t>
+            </a:r>
+          </a:p>
+        </p:txBody>
+      </p:sp>
+      <p:sp>
+        <p:nvSpPr>
+          <p:cNvPr id="4" name="Slide Number Placeholder 3"/>
+          <p:cNvSpPr>
+            <a:spLocks noGrp="1"/>
+          </p:cNvSpPr>
+          <p:nvPr>
+            <p:ph type="sldNum" sz="quarter" idx="5"/>
+          </p:nvPr>
+        </p:nvSpPr>
+        <p:spPr/>
+        <p:txBody>
+          <a:bodyPr/>
+          <a:lstStyle/>
+          <a:p>
+            <a:fld id="{07100F05-12E6-3243-A43A-1C9EB99C93C3}" type="slidenum">
+              <a:rPr lang="en-US" smtClean="0"/>
+              <a:t>10</a:t>
+            </a:fld>
+            <a:endParaRPr lang="en-US"/>
+          </a:p>
+        </p:txBody>
+      </p:sp>
+    </p:spTree>
+    <p:extLst>
+      <p:ext uri="{BB962C8B-B14F-4D97-AF65-F5344CB8AC3E}">
+        <p14:creationId xmlns:p14="http://schemas.microsoft.com/office/powerpoint/2010/main" val="1386412739"/>
+      </p:ext>
+    </p:extLst>
+  </p:cSld>
+  <p:clrMapOvr>
+    <a:masterClrMapping/>
+  </p:clrMapOvr>
+</p:notes>
+</file>
+
+<file path=ppt/notesSlides/notesSlide9.xml><?xml version="1.0" encoding="utf-8"?>
+<p:notes xmlns:a="http://schemas.openxmlformats.org/drawingml/2006/main" xmlns:r="http://schemas.openxmlformats.org/officeDocument/2006/relationships" xmlns:p="http://schemas.openxmlformats.org/presentationml/2006/main">
+  <p:cSld>
+    <p:spTree>
+      <p:nvGrpSpPr>
+        <p:cNvPr id="1" name=""/>
+        <p:cNvGrpSpPr/>
+        <p:nvPr/>
+      </p:nvGrpSpPr>
+      <p:grpSpPr>
+        <a:xfrm>
+          <a:off x="0" y="0"/>
+          <a:ext cx="0" cy="0"/>
+          <a:chOff x="0" y="0"/>
+          <a:chExt cx="0" cy="0"/>
+        </a:xfrm>
+      </p:grpSpPr>
+      <p:sp>
+        <p:nvSpPr>
+          <p:cNvPr id="2" name="Slide Image Placeholder 1"/>
+          <p:cNvSpPr>
+            <a:spLocks noGrp="1" noRot="1" noChangeAspect="1"/>
+          </p:cNvSpPr>
+          <p:nvPr>
+            <p:ph type="sldImg"/>
+          </p:nvPr>
+        </p:nvSpPr>
+        <p:spPr/>
+      </p:sp>
+      <p:sp>
+        <p:nvSpPr>
+          <p:cNvPr id="3" name="Notes Placeholder 2"/>
+          <p:cNvSpPr>
+            <a:spLocks noGrp="1"/>
+          </p:cNvSpPr>
+          <p:nvPr>
+            <p:ph type="body" idx="1"/>
+          </p:nvPr>
+        </p:nvSpPr>
+        <p:spPr/>
+        <p:txBody>
+          <a:bodyPr/>
+          <a:lstStyle/>
+          <a:p>
+            <a:r>
+              <a:rPr lang="en-US" dirty="0"/>
+              <a:t>How does the survey data compare to actual election results. In the survey data, Democrats won 47.1% of states versus 39% in the actual election. Republicans won 52.9% of states in the survey data versus 61% in the actual election. In both sets, DC counted as a “state” since they also have electoral votes.</a:t>
+            </a:r>
+          </a:p>
+        </p:txBody>
+      </p:sp>
+      <p:sp>
+        <p:nvSpPr>
+          <p:cNvPr id="4" name="Slide Number Placeholder 3"/>
+          <p:cNvSpPr>
+            <a:spLocks noGrp="1"/>
+          </p:cNvSpPr>
+          <p:nvPr>
+            <p:ph type="sldNum" sz="quarter" idx="5"/>
+          </p:nvPr>
+        </p:nvSpPr>
+        <p:spPr/>
+        <p:txBody>
+          <a:bodyPr/>
+          <a:lstStyle/>
+          <a:p>
+            <a:fld id="{07100F05-12E6-3243-A43A-1C9EB99C93C3}" type="slidenum">
+              <a:rPr lang="en-US" smtClean="0"/>
+              <a:t>11</a:t>
+            </a:fld>
+            <a:endParaRPr lang="en-US"/>
+          </a:p>
+        </p:txBody>
+      </p:sp>
+    </p:spTree>
+    <p:extLst>
+      <p:ext uri="{BB962C8B-B14F-4D97-AF65-F5344CB8AC3E}">
+        <p14:creationId xmlns:p14="http://schemas.microsoft.com/office/powerpoint/2010/main" val="2276288392"/>
       </p:ext>
     </p:extLst>
   </p:cSld>
@@ -1248,7 +1590,7 @@
           <a:p>
             <a:fld id="{1EFED247-1D38-8946-9A41-16A161EC87E1}" type="datetimeFigureOut">
               <a:rPr lang="en-US" smtClean="0"/>
-              <a:t>12/9/19</a:t>
+              <a:t>12/11/19</a:t>
             </a:fld>
             <a:endParaRPr lang="en-US"/>
           </a:p>
@@ -1418,7 +1760,7 @@
           <a:p>
             <a:fld id="{1EFED247-1D38-8946-9A41-16A161EC87E1}" type="datetimeFigureOut">
               <a:rPr lang="en-US" smtClean="0"/>
-              <a:t>12/9/19</a:t>
+              <a:t>12/11/19</a:t>
             </a:fld>
             <a:endParaRPr lang="en-US"/>
           </a:p>
@@ -1598,7 +1940,7 @@
           <a:p>
             <a:fld id="{1EFED247-1D38-8946-9A41-16A161EC87E1}" type="datetimeFigureOut">
               <a:rPr lang="en-US" smtClean="0"/>
-              <a:t>12/9/19</a:t>
+              <a:t>12/11/19</a:t>
             </a:fld>
             <a:endParaRPr lang="en-US"/>
           </a:p>
@@ -1768,7 +2110,7 @@
           <a:p>
             <a:fld id="{1EFED247-1D38-8946-9A41-16A161EC87E1}" type="datetimeFigureOut">
               <a:rPr lang="en-US" smtClean="0"/>
-              <a:t>12/9/19</a:t>
+              <a:t>12/11/19</a:t>
             </a:fld>
             <a:endParaRPr lang="en-US"/>
           </a:p>
@@ -2036,7 +2378,7 @@
           <a:p>
             <a:fld id="{1EFED247-1D38-8946-9A41-16A161EC87E1}" type="datetimeFigureOut">
               <a:rPr lang="en-US" smtClean="0"/>
-              <a:t>12/9/19</a:t>
+              <a:t>12/11/19</a:t>
             </a:fld>
             <a:endParaRPr lang="en-US"/>
           </a:p>
@@ -2268,7 +2610,7 @@
           <a:p>
             <a:fld id="{1EFED247-1D38-8946-9A41-16A161EC87E1}" type="datetimeFigureOut">
               <a:rPr lang="en-US" smtClean="0"/>
-              <a:t>12/9/19</a:t>
+              <a:t>12/11/19</a:t>
             </a:fld>
             <a:endParaRPr lang="en-US"/>
           </a:p>
@@ -2627,7 +2969,7 @@
           <a:p>
             <a:fld id="{1EFED247-1D38-8946-9A41-16A161EC87E1}" type="datetimeFigureOut">
               <a:rPr lang="en-US" smtClean="0"/>
-              <a:t>12/9/19</a:t>
+              <a:t>12/11/19</a:t>
             </a:fld>
             <a:endParaRPr lang="en-US"/>
           </a:p>
@@ -2768,7 +3110,7 @@
           <a:p>
             <a:fld id="{1EFED247-1D38-8946-9A41-16A161EC87E1}" type="datetimeFigureOut">
               <a:rPr lang="en-US" smtClean="0"/>
-              <a:t>12/9/19</a:t>
+              <a:t>12/11/19</a:t>
             </a:fld>
             <a:endParaRPr lang="en-US"/>
           </a:p>
@@ -2863,7 +3205,7 @@
           <a:p>
             <a:fld id="{1EFED247-1D38-8946-9A41-16A161EC87E1}" type="datetimeFigureOut">
               <a:rPr lang="en-US" smtClean="0"/>
-              <a:t>12/9/19</a:t>
+              <a:t>12/11/19</a:t>
             </a:fld>
             <a:endParaRPr lang="en-US"/>
           </a:p>
@@ -3220,7 +3562,7 @@
           <a:p>
             <a:fld id="{1EFED247-1D38-8946-9A41-16A161EC87E1}" type="datetimeFigureOut">
               <a:rPr lang="en-US" smtClean="0"/>
-              <a:t>12/9/19</a:t>
+              <a:t>12/11/19</a:t>
             </a:fld>
             <a:endParaRPr lang="en-US"/>
           </a:p>
@@ -3577,7 +3919,7 @@
           <a:p>
             <a:fld id="{1EFED247-1D38-8946-9A41-16A161EC87E1}" type="datetimeFigureOut">
               <a:rPr lang="en-US" smtClean="0"/>
-              <a:t>12/9/19</a:t>
+              <a:t>12/11/19</a:t>
             </a:fld>
             <a:endParaRPr lang="en-US"/>
           </a:p>
@@ -3819,7 +4161,7 @@
           <a:p>
             <a:fld id="{1EFED247-1D38-8946-9A41-16A161EC87E1}" type="datetimeFigureOut">
               <a:rPr lang="en-US" smtClean="0"/>
-              <a:t>12/9/19</a:t>
+              <a:t>12/11/19</a:t>
             </a:fld>
             <a:endParaRPr lang="en-US"/>
           </a:p>
@@ -4299,7 +4641,7 @@
           <p:nvPr/>
         </p:nvPicPr>
         <p:blipFill rotWithShape="1">
-          <a:blip r:embed="rId2"/>
+          <a:blip r:embed="rId3"/>
           <a:srcRect t="37818" b="6003"/>
           <a:stretch/>
         </p:blipFill>
@@ -5571,7 +5913,7 @@
           <p:nvPr/>
         </p:nvPicPr>
         <p:blipFill rotWithShape="1">
-          <a:blip r:embed="rId2"/>
+          <a:blip r:embed="rId3"/>
           <a:srcRect l="19563" r="7037" b="-1"/>
           <a:stretch/>
         </p:blipFill>
@@ -6010,7 +6352,7 @@
           <p:nvPr/>
         </p:nvPicPr>
         <p:blipFill rotWithShape="1">
-          <a:blip r:embed="rId2"/>
+          <a:blip r:embed="rId3"/>
           <a:srcRect l="19563" r="7037" b="-1"/>
           <a:stretch/>
         </p:blipFill>
@@ -6248,7 +6590,7 @@
                 <a:ea typeface="+mn-ea"/>
                 <a:cs typeface="+mn-cs"/>
               </a:rPr>
-              <a:t>Our data came from an online survey conducted by The Democracy Fund Voter Study Group and YouGov. The survey asked 116 questions from a sample size of 8,000. Questions ranged from basic demographic information to political preferences.</a:t>
+              <a:t>Our data came from an online survey conducted by The Democracy Fund Voter Study Group and YouGov. The survey asked 116 questions from a sample size of 8,637. Questions ranged from basic demographic information to political preferences.</a:t>
             </a:r>
           </a:p>
           <a:p>
@@ -6612,7 +6954,7 @@
             </a:pPr>
             <a:r>
               <a:rPr lang="en-US" sz="2000" dirty="0"/>
-              <a:t>Sample size included 8,000 participants, 7,038 remaining after cleaning data</a:t>
+              <a:t>Sample size included 8,637 participants, 7,038 remaining after cleaning data</a:t>
             </a:r>
           </a:p>
           <a:p>
@@ -6696,7 +7038,7 @@
           <p:nvPr/>
         </p:nvPicPr>
         <p:blipFill rotWithShape="1">
-          <a:blip r:embed="rId2">
+          <a:blip r:embed="rId3">
             <a:alphaModFix amt="20000"/>
           </a:blip>
           <a:srcRect t="15730"/>

--- a/NC, HH, SM - Project 1.pptx
+++ b/NC, HH, SM - Project 1.pptx
@@ -5357,7 +5357,7 @@
           <a:lstStyle/>
           <a:p>
             <a:pPr algn="ctr"/>
-            <a:endParaRPr lang="en-US"/>
+            <a:endParaRPr lang="en-US" dirty="0"/>
           </a:p>
         </p:txBody>
       </p:sp>
@@ -5390,6 +5390,47 @@
           </a:prstGeom>
         </p:spPr>
       </p:pic>
+      <p:sp>
+        <p:nvSpPr>
+          <p:cNvPr id="4" name="TextBox 3">
+            <a:extLst>
+              <a:ext uri="{FF2B5EF4-FFF2-40B4-BE49-F238E27FC236}">
+                <a16:creationId xmlns:a16="http://schemas.microsoft.com/office/drawing/2014/main" id="{975233E6-2901-2C41-AD31-99CA46B6733B}"/>
+              </a:ext>
+            </a:extLst>
+          </p:cNvPr>
+          <p:cNvSpPr txBox="1"/>
+          <p:nvPr/>
+        </p:nvSpPr>
+        <p:spPr>
+          <a:xfrm>
+            <a:off x="5849654" y="5155113"/>
+            <a:ext cx="826719" cy="276999"/>
+          </a:xfrm>
+          <a:prstGeom prst="rect">
+            <a:avLst/>
+          </a:prstGeom>
+          <a:noFill/>
+        </p:spPr>
+        <p:txBody>
+          <a:bodyPr wrap="square" rtlCol="0">
+            <a:spAutoFit/>
+          </a:bodyPr>
+          <a:lstStyle/>
+          <a:p>
+            <a:r>
+              <a:rPr lang="en-US" sz="1200" dirty="0">
+                <a:solidFill>
+                  <a:schemeClr val="bg1"/>
+                </a:solidFill>
+                <a:latin typeface="Arial" panose="020B0604020202020204" pitchFamily="34" charset="0"/>
+                <a:cs typeface="Arial" panose="020B0604020202020204" pitchFamily="34" charset="0"/>
+              </a:rPr>
+              <a:t>47.1%</a:t>
+            </a:r>
+          </a:p>
+        </p:txBody>
+      </p:sp>
     </p:spTree>
     <p:extLst>
       <p:ext uri="{BB962C8B-B14F-4D97-AF65-F5344CB8AC3E}">
